--- a/training-cards/agile moves/Workshops (WOR)/ger/apprentice/ger_WOR_04_Trainingsplan_erstellen.pptx
+++ b/training-cards/agile moves/Workshops (WOR)/ger/apprentice/ger_WOR_04_Trainingsplan_erstellen.pptx
@@ -4063,15 +4063,15 @@
             </a:r>
             <a:r>
               <a:rPr lang="de-DE" dirty="0"/>
-              <a:t> </a:t>
+              <a:t> u</a:t>
             </a:r>
             <a:r>
               <a:rPr lang="de-DE" dirty="0" smtClean="0"/>
-              <a:t>und |</a:t>
+              <a:t>nd "</a:t>
             </a:r>
             <a:r>
               <a:rPr lang="de-DE" dirty="0"/>
-              <a:t>"Trainingsideen sammeln und </a:t>
+              <a:t>Trainingsideen sammeln und </a:t>
             </a:r>
             <a:r>
               <a:rPr lang="de-DE" dirty="0" smtClean="0"/>
@@ -4332,17 +4332,22 @@
             </a:r>
           </a:p>
           <a:p>
+            <a:pPr>
+              <a:spcBef>
+                <a:spcPts val="600"/>
+              </a:spcBef>
+            </a:pPr>
+            <a:r>
+              <a:rPr lang="de-DE" dirty="0" smtClean="0"/>
+              <a:t>Geht </a:t>
+            </a:r>
             <a:r>
               <a:rPr lang="de-DE" dirty="0"/>
-              <a:t> </a:t>
-            </a:r>
-            <a:r>
-              <a:rPr lang="de-DE" dirty="0"/>
-              <a:t>Geht zusammen die Liste oder die Quadranten (siehe </a:t>
+              <a:t>zusammen die Liste oder die Quadranten (siehe </a:t>
             </a:r>
             <a:r>
               <a:rPr lang="de-DE" dirty="0" smtClean="0"/>
-              <a:t>WS 03 "</a:t>
+              <a:t>WOR 03 "</a:t>
             </a:r>
             <a:r>
               <a:rPr lang="de-DE" dirty="0"/>
@@ -4358,6 +4363,11 @@
             </a:r>
           </a:p>
           <a:p>
+            <a:pPr>
+              <a:spcBef>
+                <a:spcPts val="600"/>
+              </a:spcBef>
+            </a:pPr>
             <a:r>
               <a:rPr lang="de-DE" dirty="0" smtClean="0"/>
               <a:t>Wichtig </a:t>
@@ -4368,6 +4378,11 @@
             </a:r>
           </a:p>
           <a:p>
+            <a:pPr>
+              <a:spcBef>
+                <a:spcPts val="600"/>
+              </a:spcBef>
+            </a:pPr>
             <a:r>
               <a:rPr lang="de-DE" dirty="0" smtClean="0"/>
               <a:t>Nehmt </a:t>
@@ -4418,6 +4433,11 @@
             <a:endParaRPr lang="de-DE" dirty="0"/>
           </a:p>
           <a:p>
+            <a:pPr>
+              <a:spcBef>
+                <a:spcPts val="600"/>
+              </a:spcBef>
+            </a:pPr>
             <a:r>
               <a:rPr lang="de-DE" dirty="0" smtClean="0"/>
               <a:t>Notiert </a:t>
@@ -4441,8 +4461,13 @@
             <a:endParaRPr lang="de-DE" dirty="0"/>
           </a:p>
           <a:p>
-            <a:r>
-              <a:rPr lang="de-DE" smtClean="0"/>
+            <a:pPr>
+              <a:spcBef>
+                <a:spcPts val="600"/>
+              </a:spcBef>
+            </a:pPr>
+            <a:r>
+              <a:rPr lang="de-DE" dirty="0" smtClean="0"/>
               <a:t>Dokumentiert </a:t>
             </a:r>
             <a:r>
